--- a/Introduction to Lego EV3-v0.2.pptx
+++ b/Introduction to Lego EV3-v0.2.pptx
@@ -5547,6 +5547,7 @@
           </a:bodyPr>
           <a:lstStyle/>
           <a:p>
+            <a:pPr algn="ctr"/>
             <a:r>
               <a:rPr lang="en-US" sz="3600" kern="1200" dirty="0" smtClean="0">
                 <a:solidFill>
@@ -5556,18 +5557,7 @@
                 <a:ea typeface="+mj-ea"/>
                 <a:cs typeface="+mj-cs"/>
               </a:rPr>
-              <a:t>Step #2</a:t>
-            </a:r>
-            <a:r>
-              <a:rPr lang="en-US" sz="3600" kern="1200" dirty="0" smtClean="0">
-                <a:solidFill>
-                  <a:schemeClr val="tx1"/>
-                </a:solidFill>
-                <a:latin typeface="+mj-lt"/>
-                <a:ea typeface="+mj-ea"/>
-                <a:cs typeface="+mj-cs"/>
-              </a:rPr>
-              <a:t>: Go Straight, Move Right</a:t>
+              <a:t>Step #2: Go Straight, Move Right</a:t>
             </a:r>
             <a:endParaRPr lang="en-US" sz="3600" kern="1200" dirty="0">
               <a:solidFill>
@@ -6433,6 +6423,7 @@
           </a:bodyPr>
           <a:lstStyle/>
           <a:p>
+            <a:pPr algn="ctr"/>
             <a:r>
               <a:rPr lang="en-US" sz="3600" kern="1200" dirty="0" smtClean="0">
                 <a:solidFill>
@@ -6442,29 +6433,7 @@
                 <a:ea typeface="+mj-ea"/>
                 <a:cs typeface="+mj-cs"/>
               </a:rPr>
-              <a:t>(optional) </a:t>
-            </a:r>
-            <a:r>
-              <a:rPr lang="en-US" sz="3600" kern="1200" dirty="0" smtClean="0">
-                <a:solidFill>
-                  <a:schemeClr val="tx1"/>
-                </a:solidFill>
-                <a:latin typeface="+mj-lt"/>
-                <a:ea typeface="+mj-ea"/>
-                <a:cs typeface="+mj-cs"/>
-              </a:rPr>
-              <a:t>Step #2</a:t>
-            </a:r>
-            <a:r>
-              <a:rPr lang="en-US" sz="3600" kern="1200" dirty="0" smtClean="0">
-                <a:solidFill>
-                  <a:schemeClr val="tx1"/>
-                </a:solidFill>
-                <a:latin typeface="+mj-lt"/>
-                <a:ea typeface="+mj-ea"/>
-                <a:cs typeface="+mj-cs"/>
-              </a:rPr>
-              <a:t>: Go Straight, Turn 180</a:t>
+              <a:t>(optional) Step #2: Go Straight, Turn 180</a:t>
             </a:r>
             <a:endParaRPr lang="en-US" sz="3600" kern="1200" dirty="0">
               <a:solidFill>
@@ -7330,6 +7299,7 @@
           </a:bodyPr>
           <a:lstStyle/>
           <a:p>
+            <a:pPr algn="ctr"/>
             <a:r>
               <a:rPr lang="en-US" sz="3200" kern="1200" dirty="0" smtClean="0">
                 <a:solidFill>
@@ -7339,18 +7309,7 @@
                 <a:ea typeface="+mj-ea"/>
                 <a:cs typeface="+mj-cs"/>
               </a:rPr>
-              <a:t>Step #3: </a:t>
-            </a:r>
-            <a:r>
-              <a:rPr lang="en-US" sz="3200" kern="1200" dirty="0" smtClean="0">
-                <a:solidFill>
-                  <a:schemeClr val="tx1"/>
-                </a:solidFill>
-                <a:latin typeface="+mj-lt"/>
-                <a:ea typeface="+mj-ea"/>
-                <a:cs typeface="+mj-cs"/>
-              </a:rPr>
-              <a:t>Object Detection </a:t>
+              <a:t>Step #3: Object Detection </a:t>
             </a:r>
             <a:r>
               <a:rPr lang="mr-IN" sz="3200" kern="1200" dirty="0" smtClean="0">
@@ -8244,13 +8203,10 @@
           </a:bodyPr>
           <a:lstStyle/>
           <a:p>
+            <a:pPr algn="ctr"/>
             <a:r>
               <a:rPr lang="en-US" sz="2800" dirty="0" smtClean="0"/>
-              <a:t>Step #3: </a:t>
-            </a:r>
-            <a:r>
-              <a:rPr lang="en-US" sz="2800" dirty="0" smtClean="0"/>
-              <a:t>Switch Block, O</a:t>
+              <a:t>Step #3: Switch Block, O</a:t>
             </a:r>
             <a:r>
               <a:rPr lang="en-US" sz="2800" kern="1200" dirty="0" smtClean="0">
@@ -9717,15 +9673,7 @@
             <a:pPr algn="ctr"/>
             <a:r>
               <a:rPr lang="en-US" sz="3600" dirty="0" smtClean="0"/>
-              <a:t>Milestone </a:t>
-            </a:r>
-            <a:r>
-              <a:rPr lang="en-US" sz="3600" dirty="0" smtClean="0"/>
-              <a:t>#1</a:t>
-            </a:r>
-            <a:r>
-              <a:rPr lang="en-US" sz="3600" dirty="0" smtClean="0"/>
-              <a:t>: </a:t>
+              <a:t>Milestone #1: </a:t>
             </a:r>
             <a:r>
               <a:rPr lang="en-US" sz="3600" kern="1200" dirty="0" smtClean="0">
@@ -11918,6 +11866,7 @@
           </a:bodyPr>
           <a:lstStyle/>
           <a:p>
+            <a:pPr algn="ctr"/>
             <a:r>
               <a:rPr lang="en-US" sz="3200" kern="1200" dirty="0" smtClean="0">
                 <a:solidFill>
@@ -11927,18 +11876,7 @@
                 <a:ea typeface="+mj-ea"/>
                 <a:cs typeface="+mj-cs"/>
               </a:rPr>
-              <a:t>Milestone #1</a:t>
-            </a:r>
-            <a:r>
-              <a:rPr lang="en-US" sz="3200" kern="1200" dirty="0" smtClean="0">
-                <a:solidFill>
-                  <a:schemeClr val="tx1"/>
-                </a:solidFill>
-                <a:latin typeface="+mj-lt"/>
-                <a:ea typeface="+mj-ea"/>
-                <a:cs typeface="+mj-cs"/>
-              </a:rPr>
-              <a:t>: Detect Object &amp; Turn Right (Avoid) - Code</a:t>
+              <a:t>Milestone #1: Detect Object &amp; Turn Right (Avoid) - Code</a:t>
             </a:r>
             <a:endParaRPr lang="en-US" sz="3200" kern="1200" dirty="0">
               <a:solidFill>
@@ -13397,6 +13335,7 @@
           </a:bodyPr>
           <a:lstStyle/>
           <a:p>
+            <a:pPr algn="ctr"/>
             <a:r>
               <a:rPr lang="en-US" sz="3200" kern="1200" dirty="0" smtClean="0">
                 <a:solidFill>
@@ -13570,7 +13509,6 @@
                 <a:rPr lang="en-US" dirty="0"/>
                 <a:t>- Reflected light intensity</a:t>
               </a:r>
-              <a:endParaRPr lang="en-US" dirty="0"/>
             </a:p>
           </p:txBody>
         </p:sp>
@@ -14268,6 +14206,7 @@
           </a:bodyPr>
           <a:lstStyle/>
           <a:p>
+            <a:pPr algn="ctr"/>
             <a:r>
               <a:rPr lang="en-US" sz="3200" kern="1200" dirty="0" smtClean="0">
                 <a:solidFill>
@@ -14299,18 +14238,7 @@
                 <a:ea typeface="+mj-ea"/>
                 <a:cs typeface="+mj-cs"/>
               </a:rPr>
-              <a:t> </a:t>
-            </a:r>
-            <a:r>
-              <a:rPr lang="en-US" sz="3200" kern="1200" dirty="0" smtClean="0">
-                <a:solidFill>
-                  <a:schemeClr val="tx1"/>
-                </a:solidFill>
-                <a:latin typeface="+mj-lt"/>
-                <a:ea typeface="+mj-ea"/>
-                <a:cs typeface="+mj-cs"/>
-              </a:rPr>
-              <a:t>(2)</a:t>
+              <a:t> (2)</a:t>
             </a:r>
             <a:endParaRPr lang="en-US" sz="3200" kern="1200" dirty="0">
               <a:solidFill>
@@ -15906,17 +15834,6 @@
           <a:p>
             <a:pPr algn="ctr"/>
             <a:r>
-              <a:rPr lang="en-US" sz="2800" kern="1200" smtClean="0">
-                <a:solidFill>
-                  <a:schemeClr val="tx1"/>
-                </a:solidFill>
-                <a:latin typeface="+mj-lt"/>
-                <a:ea typeface="+mj-ea"/>
-                <a:cs typeface="+mj-cs"/>
-              </a:rPr>
-              <a:t>Milestone #2</a:t>
-            </a:r>
-            <a:r>
               <a:rPr lang="en-US" sz="2800" kern="1200" dirty="0" smtClean="0">
                 <a:solidFill>
                   <a:schemeClr val="tx1"/>
@@ -15925,7 +15842,7 @@
                 <a:ea typeface="+mj-ea"/>
                 <a:cs typeface="+mj-cs"/>
               </a:rPr>
-              <a:t>: Detect &amp; Avoid Object + Stay in Playpen</a:t>
+              <a:t>Milestone #2: Detect &amp; Avoid Object + Stay in Playpen</a:t>
             </a:r>
             <a:endParaRPr lang="en-US" sz="2800" kern="1200" dirty="0">
               <a:solidFill>
@@ -17721,13 +17638,8 @@
               <a:pPr algn="ctr"/>
               <a:r>
                 <a:rPr lang="en-US" dirty="0" smtClean="0"/>
-                <a:t>Detect </a:t>
+                <a:t>Detect red border</a:t>
               </a:r>
-              <a:r>
-                <a:rPr lang="en-US" dirty="0" smtClean="0"/>
-                <a:t>red border</a:t>
-              </a:r>
-              <a:endParaRPr lang="en-US" dirty="0" smtClean="0"/>
             </a:p>
             <a:p>
               <a:pPr algn="ctr"/>
@@ -18633,15 +18545,7 @@
                   <a:schemeClr val="tx1"/>
                 </a:solidFill>
               </a:rPr>
-              <a:t>#2</a:t>
-            </a:r>
-            <a:r>
-              <a:rPr lang="en-US" sz="2800" kern="1200" dirty="0" smtClean="0">
-                <a:solidFill>
-                  <a:schemeClr val="tx1"/>
-                </a:solidFill>
-              </a:rPr>
-              <a:t>: Detect &amp; Avoid Object + Stay in Playpen</a:t>
+              <a:t>#2: Detect &amp; Avoid Object + Stay in Playpen</a:t>
             </a:r>
             <a:endParaRPr lang="en-US" sz="2800" kern="1200" dirty="0">
               <a:solidFill>
@@ -20306,13 +20210,8 @@
             <a:pPr algn="ctr"/>
             <a:r>
               <a:rPr lang="en-US" dirty="0" smtClean="0"/>
-              <a:t>Detect </a:t>
+              <a:t>Detect red border</a:t>
             </a:r>
-            <a:r>
-              <a:rPr lang="en-US" dirty="0" smtClean="0"/>
-              <a:t>red border</a:t>
-            </a:r>
-            <a:endParaRPr lang="en-US" dirty="0" smtClean="0"/>
           </a:p>
           <a:p>
             <a:pPr algn="ctr"/>
@@ -21167,6 +21066,7 @@
           </a:bodyPr>
           <a:lstStyle/>
           <a:p>
+            <a:pPr algn="ctr"/>
             <a:r>
               <a:rPr lang="en-US" sz="4000" kern="1200" dirty="0" smtClean="0">
                 <a:solidFill>
@@ -21176,18 +21076,7 @@
                 <a:ea typeface="+mj-ea"/>
                 <a:cs typeface="+mj-cs"/>
               </a:rPr>
-              <a:t>Goal: Demo </a:t>
-            </a:r>
-            <a:r>
-              <a:rPr lang="en-US" sz="4000" kern="1200" dirty="0" smtClean="0">
-                <a:solidFill>
-                  <a:schemeClr val="tx1"/>
-                </a:solidFill>
-                <a:latin typeface="+mj-lt"/>
-                <a:ea typeface="+mj-ea"/>
-                <a:cs typeface="+mj-cs"/>
-              </a:rPr>
-              <a:t>Day</a:t>
+              <a:t>Goal: Demo Day</a:t>
             </a:r>
             <a:endParaRPr lang="en-US" sz="4000" kern="1200" dirty="0">
               <a:solidFill>
@@ -24689,16 +24578,8 @@
           <a:p>
             <a:pPr algn="ctr"/>
             <a:r>
-              <a:rPr lang="en-US" sz="2800"/>
+              <a:rPr lang="en-US" sz="2800" dirty="0"/>
               <a:t>Milestone </a:t>
-            </a:r>
-            <a:r>
-              <a:rPr lang="en-US" sz="2800" kern="1200" smtClean="0">
-                <a:solidFill>
-                  <a:schemeClr val="tx1"/>
-                </a:solidFill>
-              </a:rPr>
-              <a:t>#</a:t>
             </a:r>
             <a:r>
               <a:rPr lang="en-US" sz="2800" kern="1200" dirty="0" smtClean="0">
@@ -24706,7 +24587,7 @@
                   <a:schemeClr val="tx1"/>
                 </a:solidFill>
               </a:rPr>
-              <a:t>2: Detect &amp; Avoid Object + Stay in Playpen</a:t>
+              <a:t>#2: Detect &amp; Avoid Object + Stay in Playpen</a:t>
             </a:r>
             <a:endParaRPr lang="en-US" sz="2800" kern="1200" dirty="0">
               <a:solidFill>
@@ -25243,13 +25124,8 @@
             <a:pPr algn="ctr"/>
             <a:r>
               <a:rPr lang="en-US" dirty="0" smtClean="0"/>
-              <a:t>Detect </a:t>
+              <a:t>Detect red border</a:t>
             </a:r>
-            <a:r>
-              <a:rPr lang="en-US" dirty="0" smtClean="0"/>
-              <a:t>red border</a:t>
-            </a:r>
-            <a:endParaRPr lang="en-US" dirty="0" smtClean="0"/>
           </a:p>
           <a:p>
             <a:pPr algn="ctr"/>
@@ -26029,6 +25905,7 @@
           </a:bodyPr>
           <a:lstStyle/>
           <a:p>
+            <a:pPr algn="ctr"/>
             <a:r>
               <a:rPr lang="en-US" sz="3200" dirty="0"/>
               <a:t>Milestone </a:t>
@@ -26042,40 +25919,7 @@
                 <a:ea typeface="+mj-ea"/>
                 <a:cs typeface="+mj-cs"/>
               </a:rPr>
-              <a:t>#2: </a:t>
-            </a:r>
-            <a:r>
-              <a:rPr lang="en-US" sz="3200" kern="1200" dirty="0" smtClean="0">
-                <a:solidFill>
-                  <a:schemeClr val="tx1"/>
-                </a:solidFill>
-                <a:latin typeface="+mj-lt"/>
-                <a:ea typeface="+mj-ea"/>
-                <a:cs typeface="+mj-cs"/>
-              </a:rPr>
-              <a:t>Detect </a:t>
-            </a:r>
-            <a:r>
-              <a:rPr lang="en-US" sz="3200" kern="1200" dirty="0" smtClean="0">
-                <a:solidFill>
-                  <a:schemeClr val="tx1"/>
-                </a:solidFill>
-                <a:latin typeface="+mj-lt"/>
-                <a:ea typeface="+mj-ea"/>
-                <a:cs typeface="+mj-cs"/>
-              </a:rPr>
-              <a:t>Red border &amp; </a:t>
-            </a:r>
-            <a:r>
-              <a:rPr lang="en-US" sz="3200" kern="1200" dirty="0" smtClean="0">
-                <a:solidFill>
-                  <a:schemeClr val="tx1"/>
-                </a:solidFill>
-                <a:latin typeface="+mj-lt"/>
-                <a:ea typeface="+mj-ea"/>
-                <a:cs typeface="+mj-cs"/>
-              </a:rPr>
-              <a:t>Turn Right - Code</a:t>
+              <a:t>#2: Detect Red border &amp; Turn Right - Code</a:t>
             </a:r>
             <a:endParaRPr lang="en-US" sz="3200" kern="1200" dirty="0">
               <a:solidFill>
@@ -27544,6 +27388,7 @@
           </a:bodyPr>
           <a:lstStyle/>
           <a:p>
+            <a:pPr algn="ctr"/>
             <a:r>
               <a:rPr lang="en-US" sz="3200" dirty="0"/>
               <a:t>Milestone </a:t>
@@ -27557,40 +27402,7 @@
                 <a:ea typeface="+mj-ea"/>
                 <a:cs typeface="+mj-cs"/>
               </a:rPr>
-              <a:t>#2: </a:t>
-            </a:r>
-            <a:r>
-              <a:rPr lang="en-US" sz="3200" kern="1200" dirty="0" smtClean="0">
-                <a:solidFill>
-                  <a:schemeClr val="tx1"/>
-                </a:solidFill>
-                <a:latin typeface="+mj-lt"/>
-                <a:ea typeface="+mj-ea"/>
-                <a:cs typeface="+mj-cs"/>
-              </a:rPr>
-              <a:t>Detect </a:t>
-            </a:r>
-            <a:r>
-              <a:rPr lang="en-US" sz="3200" kern="1200" dirty="0" smtClean="0">
-                <a:solidFill>
-                  <a:schemeClr val="tx1"/>
-                </a:solidFill>
-                <a:latin typeface="+mj-lt"/>
-                <a:ea typeface="+mj-ea"/>
-                <a:cs typeface="+mj-cs"/>
-              </a:rPr>
-              <a:t>Red border &amp; </a:t>
-            </a:r>
-            <a:r>
-              <a:rPr lang="en-US" sz="3200" kern="1200" dirty="0" smtClean="0">
-                <a:solidFill>
-                  <a:schemeClr val="tx1"/>
-                </a:solidFill>
-                <a:latin typeface="+mj-lt"/>
-                <a:ea typeface="+mj-ea"/>
-                <a:cs typeface="+mj-cs"/>
-              </a:rPr>
-              <a:t>Turn Right - Code</a:t>
+              <a:t>#2: Detect Red border &amp; Turn Right - Code</a:t>
             </a:r>
             <a:endParaRPr lang="en-US" sz="3200" kern="1200" dirty="0">
               <a:solidFill>
@@ -29017,6 +28829,7 @@
           </a:bodyPr>
           <a:lstStyle/>
           <a:p>
+            <a:pPr algn="ctr"/>
             <a:r>
               <a:rPr lang="en-US" sz="4000" kern="1200" dirty="0" smtClean="0">
                 <a:solidFill>
@@ -29026,18 +28839,7 @@
                 <a:ea typeface="+mj-ea"/>
                 <a:cs typeface="+mj-cs"/>
               </a:rPr>
-              <a:t>Goal: Demo </a:t>
-            </a:r>
-            <a:r>
-              <a:rPr lang="en-US" sz="4000" kern="1200" dirty="0" smtClean="0">
-                <a:solidFill>
-                  <a:schemeClr val="tx1"/>
-                </a:solidFill>
-                <a:latin typeface="+mj-lt"/>
-                <a:ea typeface="+mj-ea"/>
-                <a:cs typeface="+mj-cs"/>
-              </a:rPr>
-              <a:t>Day</a:t>
+              <a:t>Goal: Demo Day</a:t>
             </a:r>
             <a:endParaRPr lang="en-US" sz="4000" kern="1200" dirty="0">
               <a:solidFill>
@@ -33943,6 +33745,7 @@
           </a:bodyPr>
           <a:lstStyle/>
           <a:p>
+            <a:pPr algn="ctr"/>
             <a:r>
               <a:rPr lang="en-US" sz="3600" dirty="0" smtClean="0"/>
               <a:t>Rough Class Schedule &amp; Plan </a:t>
@@ -36059,13 +35862,10 @@
           </a:bodyPr>
           <a:lstStyle/>
           <a:p>
+            <a:pPr algn="ctr"/>
             <a:r>
               <a:rPr lang="en-US" sz="3600" dirty="0" smtClean="0"/>
-              <a:t>Rough </a:t>
-            </a:r>
-            <a:r>
-              <a:rPr lang="en-US" sz="3600" smtClean="0"/>
-              <a:t>Class Schedule &amp; Plan </a:t>
+              <a:t>Rough Class Schedule &amp; Plan </a:t>
             </a:r>
             <a:r>
               <a:rPr lang="mr-IN" sz="3600" dirty="0" smtClean="0"/>
@@ -36773,6 +36573,7 @@
           </a:bodyPr>
           <a:lstStyle/>
           <a:p>
+            <a:pPr algn="ctr"/>
             <a:r>
               <a:rPr lang="en-US" kern="1200" dirty="0" smtClean="0">
                 <a:solidFill>
@@ -37381,6 +37182,7 @@
           </a:bodyPr>
           <a:lstStyle/>
           <a:p>
+            <a:pPr algn="ctr"/>
             <a:r>
               <a:rPr lang="en-US" kern="1200" dirty="0" smtClean="0">
                 <a:solidFill>
@@ -37987,6 +37789,7 @@
           </a:bodyPr>
           <a:lstStyle/>
           <a:p>
+            <a:pPr algn="ctr"/>
             <a:r>
               <a:rPr lang="en-US" kern="1200" dirty="0" smtClean="0">
                 <a:solidFill>
@@ -38728,6 +38531,7 @@
           </a:bodyPr>
           <a:lstStyle/>
           <a:p>
+            <a:pPr algn="ctr"/>
             <a:r>
               <a:rPr lang="en-US" dirty="0" smtClean="0"/>
               <a:t>Discussion </a:t>
@@ -39402,18 +39206,7 @@
                 <a:ea typeface="+mj-ea"/>
                 <a:cs typeface="+mj-cs"/>
               </a:rPr>
-              <a:t>Step #1</a:t>
-            </a:r>
-            <a:r>
-              <a:rPr lang="en-US" sz="3600" kern="1200" dirty="0" smtClean="0">
-                <a:solidFill>
-                  <a:schemeClr val="tx1"/>
-                </a:solidFill>
-                <a:latin typeface="+mj-lt"/>
-                <a:ea typeface="+mj-ea"/>
-                <a:cs typeface="+mj-cs"/>
-              </a:rPr>
-              <a:t>: Go Straight</a:t>
+              <a:t>Step #1: Go Straight</a:t>
             </a:r>
             <a:endParaRPr lang="en-US" sz="3600" kern="1200" dirty="0">
               <a:solidFill>
